--- a/docs/DegradationMeister.pptx
+++ b/docs/DegradationMeister.pptx
@@ -7171,39 +7171,6 @@
           </a:fontRef>
         </p:style>
       </p:cxnSp>
-      <p:cxnSp>
-        <p:nvCxnSpPr>
-          <p:cNvPr id="23" name="Gerader Verbinder 22"/>
-          <p:cNvCxnSpPr>
-            <a:stCxn id="19" idx="3"/>
-            <a:endCxn id="18" idx="1"/>
-          </p:cNvCxnSpPr>
-          <p:nvPr/>
-        </p:nvCxnSpPr>
-        <p:spPr>
-          <a:xfrm>
-            <a:off x="8391331" y="3949060"/>
-            <a:ext cx="777496" cy="1"/>
-          </a:xfrm>
-          <a:prstGeom prst="line">
-            <a:avLst/>
-          </a:prstGeom>
-        </p:spPr>
-        <p:style>
-          <a:lnRef idx="1">
-            <a:schemeClr val="dk1"/>
-          </a:lnRef>
-          <a:fillRef idx="0">
-            <a:schemeClr val="dk1"/>
-          </a:fillRef>
-          <a:effectRef idx="0">
-            <a:schemeClr val="dk1"/>
-          </a:effectRef>
-          <a:fontRef idx="minor">
-            <a:schemeClr val="tx1"/>
-          </a:fontRef>
-        </p:style>
-      </p:cxnSp>
       <p:sp>
         <p:nvSpPr>
           <p:cNvPr id="25" name="Textfeld 24"/>
@@ -7817,6 +7784,72 @@
           </a:p>
         </p:txBody>
       </p:sp>
+      <p:cxnSp>
+        <p:nvCxnSpPr>
+          <p:cNvPr id="42" name="Verbinder: gewinkelt 41"/>
+          <p:cNvCxnSpPr>
+            <a:stCxn id="19" idx="3"/>
+            <a:endCxn id="40" idx="1"/>
+          </p:cNvCxnSpPr>
+          <p:nvPr/>
+        </p:nvCxnSpPr>
+        <p:spPr>
+          <a:xfrm>
+            <a:off x="8391331" y="3949060"/>
+            <a:ext cx="131902" cy="191544"/>
+          </a:xfrm>
+          <a:prstGeom prst="bentConnector3">
+            <a:avLst/>
+          </a:prstGeom>
+        </p:spPr>
+        <p:style>
+          <a:lnRef idx="1">
+            <a:schemeClr val="dk1"/>
+          </a:lnRef>
+          <a:fillRef idx="0">
+            <a:schemeClr val="dk1"/>
+          </a:fillRef>
+          <a:effectRef idx="0">
+            <a:schemeClr val="dk1"/>
+          </a:effectRef>
+          <a:fontRef idx="minor">
+            <a:schemeClr val="tx1"/>
+          </a:fontRef>
+        </p:style>
+      </p:cxnSp>
+      <p:cxnSp>
+        <p:nvCxnSpPr>
+          <p:cNvPr id="44" name="Verbinder: gewinkelt 43"/>
+          <p:cNvCxnSpPr>
+            <a:stCxn id="40" idx="3"/>
+            <a:endCxn id="18" idx="1"/>
+          </p:cNvCxnSpPr>
+          <p:nvPr/>
+        </p:nvCxnSpPr>
+        <p:spPr>
+          <a:xfrm flipV="1">
+            <a:off x="9082908" y="3949061"/>
+            <a:ext cx="85919" cy="191543"/>
+          </a:xfrm>
+          <a:prstGeom prst="bentConnector3">
+            <a:avLst/>
+          </a:prstGeom>
+        </p:spPr>
+        <p:style>
+          <a:lnRef idx="1">
+            <a:schemeClr val="dk1"/>
+          </a:lnRef>
+          <a:fillRef idx="0">
+            <a:schemeClr val="dk1"/>
+          </a:fillRef>
+          <a:effectRef idx="0">
+            <a:schemeClr val="dk1"/>
+          </a:effectRef>
+          <a:fontRef idx="minor">
+            <a:schemeClr val="tx1"/>
+          </a:fontRef>
+        </p:style>
+      </p:cxnSp>
     </p:spTree>
     <p:extLst>
       <p:ext uri="{BB962C8B-B14F-4D97-AF65-F5344CB8AC3E}">
